--- a/models/INN-HW1.pptx
+++ b/models/INN-HW1.pptx
@@ -259,7 +259,7 @@
           <a:p>
             <a:fld id="{F2F79EBB-EC8E-44CF-82F6-0356806258BF}" type="datetimeFigureOut">
               <a:rPr lang="pl-PL" smtClean="0"/>
-              <a:t>27.01.2019</a:t>
+              <a:t>28.01.2019</a:t>
             </a:fld>
             <a:endParaRPr lang="pl-PL"/>
           </a:p>
@@ -457,7 +457,7 @@
           <a:p>
             <a:fld id="{F2F79EBB-EC8E-44CF-82F6-0356806258BF}" type="datetimeFigureOut">
               <a:rPr lang="pl-PL" smtClean="0"/>
-              <a:t>27.01.2019</a:t>
+              <a:t>28.01.2019</a:t>
             </a:fld>
             <a:endParaRPr lang="pl-PL"/>
           </a:p>
@@ -665,7 +665,7 @@
           <a:p>
             <a:fld id="{F2F79EBB-EC8E-44CF-82F6-0356806258BF}" type="datetimeFigureOut">
               <a:rPr lang="pl-PL" smtClean="0"/>
-              <a:t>27.01.2019</a:t>
+              <a:t>28.01.2019</a:t>
             </a:fld>
             <a:endParaRPr lang="pl-PL"/>
           </a:p>
@@ -863,7 +863,7 @@
           <a:p>
             <a:fld id="{F2F79EBB-EC8E-44CF-82F6-0356806258BF}" type="datetimeFigureOut">
               <a:rPr lang="pl-PL" smtClean="0"/>
-              <a:t>27.01.2019</a:t>
+              <a:t>28.01.2019</a:t>
             </a:fld>
             <a:endParaRPr lang="pl-PL"/>
           </a:p>
@@ -1138,7 +1138,7 @@
           <a:p>
             <a:fld id="{F2F79EBB-EC8E-44CF-82F6-0356806258BF}" type="datetimeFigureOut">
               <a:rPr lang="pl-PL" smtClean="0"/>
-              <a:t>27.01.2019</a:t>
+              <a:t>28.01.2019</a:t>
             </a:fld>
             <a:endParaRPr lang="pl-PL"/>
           </a:p>
@@ -1403,7 +1403,7 @@
           <a:p>
             <a:fld id="{F2F79EBB-EC8E-44CF-82F6-0356806258BF}" type="datetimeFigureOut">
               <a:rPr lang="pl-PL" smtClean="0"/>
-              <a:t>27.01.2019</a:t>
+              <a:t>28.01.2019</a:t>
             </a:fld>
             <a:endParaRPr lang="pl-PL"/>
           </a:p>
@@ -1815,7 +1815,7 @@
           <a:p>
             <a:fld id="{F2F79EBB-EC8E-44CF-82F6-0356806258BF}" type="datetimeFigureOut">
               <a:rPr lang="pl-PL" smtClean="0"/>
-              <a:t>27.01.2019</a:t>
+              <a:t>28.01.2019</a:t>
             </a:fld>
             <a:endParaRPr lang="pl-PL"/>
           </a:p>
@@ -1956,7 +1956,7 @@
           <a:p>
             <a:fld id="{F2F79EBB-EC8E-44CF-82F6-0356806258BF}" type="datetimeFigureOut">
               <a:rPr lang="pl-PL" smtClean="0"/>
-              <a:t>27.01.2019</a:t>
+              <a:t>28.01.2019</a:t>
             </a:fld>
             <a:endParaRPr lang="pl-PL"/>
           </a:p>
@@ -2069,7 +2069,7 @@
           <a:p>
             <a:fld id="{F2F79EBB-EC8E-44CF-82F6-0356806258BF}" type="datetimeFigureOut">
               <a:rPr lang="pl-PL" smtClean="0"/>
-              <a:t>27.01.2019</a:t>
+              <a:t>28.01.2019</a:t>
             </a:fld>
             <a:endParaRPr lang="pl-PL"/>
           </a:p>
@@ -2380,7 +2380,7 @@
           <a:p>
             <a:fld id="{F2F79EBB-EC8E-44CF-82F6-0356806258BF}" type="datetimeFigureOut">
               <a:rPr lang="pl-PL" smtClean="0"/>
-              <a:t>27.01.2019</a:t>
+              <a:t>28.01.2019</a:t>
             </a:fld>
             <a:endParaRPr lang="pl-PL"/>
           </a:p>
@@ -2668,7 +2668,7 @@
           <a:p>
             <a:fld id="{F2F79EBB-EC8E-44CF-82F6-0356806258BF}" type="datetimeFigureOut">
               <a:rPr lang="pl-PL" smtClean="0"/>
-              <a:t>27.01.2019</a:t>
+              <a:t>28.01.2019</a:t>
             </a:fld>
             <a:endParaRPr lang="pl-PL"/>
           </a:p>
@@ -2909,7 +2909,7 @@
           <a:p>
             <a:fld id="{F2F79EBB-EC8E-44CF-82F6-0356806258BF}" type="datetimeFigureOut">
               <a:rPr lang="pl-PL" smtClean="0"/>
-              <a:t>27.01.2019</a:t>
+              <a:t>28.01.2019</a:t>
             </a:fld>
             <a:endParaRPr lang="pl-PL"/>
           </a:p>
@@ -4560,7 +4560,7 @@
         </p:nvSpPr>
         <p:spPr>
           <a:xfrm>
-            <a:off x="6661952" y="4355624"/>
+            <a:off x="6911333" y="4328733"/>
             <a:ext cx="4326899" cy="1851899"/>
           </a:xfrm>
           <a:prstGeom prst="rect">
@@ -4584,7 +4584,7 @@
               <a:buNone/>
             </a:pPr>
             <a:r>
-              <a:rPr lang="pl-PL" sz="1200" b="1" dirty="0"/>
+              <a:rPr lang="pl-PL" sz="1100" b="1" dirty="0"/>
               <a:t>Korzyści</a:t>
             </a:r>
           </a:p>
@@ -4596,9 +4596,71 @@
               <a:buNone/>
             </a:pPr>
             <a:r>
-              <a:rPr lang="pl-PL" sz="1200" dirty="0"/>
-              <a:t>Zwiększona została liczba typów kawy, które można zamawiać, dodatkowo dzięki integracji z innymi typami płatności wzrosła liczba zamówień (nie każdy wcześniej posiadał przy sobie gotówkę) oraz zmniejszył się problem posiadania reszty przez maszynę.</a:t>
-            </a:r>
+              <a:rPr lang="pl-PL" sz="1100" dirty="0"/>
+              <a:t>Zwiększona została liczba typów kawy, które można zamawiać, dodatkowo dzięki integracji z innymi typami płatności wzrosła liczba zamówień (nie każdy wcześniej posiadał przy sobie gotówkę) oraz zmniejszył się problem posiadania reszty przez maszynę. Stworzona została aplikacja, która pozwala na ułatwienie pracy administratora poprzez możliwość zdalnego sprawdzania stanu zawartości maszyn.</a:t>
+            </a:r>
+          </a:p>
+          <a:p>
+            <a:pPr lvl="0" rtl="0">
+              <a:spcBef>
+                <a:spcPts val="0"/>
+              </a:spcBef>
+              <a:buNone/>
+            </a:pPr>
+            <a:endParaRPr lang="pl-PL" sz="1100" dirty="0"/>
+          </a:p>
+          <a:p>
+            <a:pPr lvl="0" rtl="0">
+              <a:spcBef>
+                <a:spcPts val="0"/>
+              </a:spcBef>
+              <a:buNone/>
+            </a:pPr>
+            <a:r>
+              <a:rPr lang="pl-PL" sz="1100" b="1" dirty="0"/>
+              <a:t>Ograniczenia</a:t>
+            </a:r>
+          </a:p>
+          <a:p>
+            <a:pPr lvl="0" rtl="0">
+              <a:spcBef>
+                <a:spcPts val="0"/>
+              </a:spcBef>
+              <a:buNone/>
+            </a:pPr>
+            <a:r>
+              <a:rPr lang="pl-PL" sz="1100" dirty="0"/>
+              <a:t>Płacenie prowizji dla operatorów płatności i banków.</a:t>
+            </a:r>
+          </a:p>
+          <a:p>
+            <a:pPr lvl="0" rtl="0">
+              <a:spcBef>
+                <a:spcPts val="0"/>
+              </a:spcBef>
+              <a:buNone/>
+            </a:pPr>
+            <a:r>
+              <a:rPr lang="pl-PL" sz="1100" dirty="0"/>
+              <a:t>Każda maszyna będzie musiała komunikować się z siecią w celu weryfikacji płatności oraz udostępniania stanu inwentarza co powoduje wzrost kosztów produkcji</a:t>
+            </a:r>
+          </a:p>
+          <a:p>
+            <a:pPr lvl="0" rtl="0">
+              <a:spcBef>
+                <a:spcPts val="0"/>
+              </a:spcBef>
+              <a:buNone/>
+            </a:pPr>
+            <a:endParaRPr lang="pl-PL" sz="1200" dirty="0"/>
+          </a:p>
+          <a:p>
+            <a:pPr lvl="0" rtl="0">
+              <a:spcBef>
+                <a:spcPts val="0"/>
+              </a:spcBef>
+              <a:buNone/>
+            </a:pPr>
             <a:r>
               <a:rPr lang="en-US" sz="1000" dirty="0"/>
               <a:t>	</a:t>
@@ -4659,7 +4721,15 @@
             </a:r>
             <a:r>
               <a:rPr lang="pl" sz="1200" dirty="0"/>
-              <a:t>  			27/01/2019</a:t>
+              <a:t>  </a:t>
+            </a:r>
+            <a:r>
+              <a:rPr lang="pl-PL" sz="1200" dirty="0"/>
+              <a:t>Cały zespół</a:t>
+            </a:r>
+            <a:r>
+              <a:rPr lang="pl" sz="1200" dirty="0"/>
+              <a:t>		</a:t>
             </a:r>
           </a:p>
           <a:p>
@@ -4670,12 +4740,8 @@
               <a:buNone/>
             </a:pPr>
             <a:r>
-              <a:rPr lang="pl-PL" sz="1200" dirty="0"/>
-              <a:t>Integracja z systemami płatności</a:t>
-            </a:r>
-            <a:r>
               <a:rPr lang="pl" sz="1200" dirty="0"/>
-              <a:t>		28/01/2019</a:t>
+              <a:t>30/01/2019</a:t>
             </a:r>
           </a:p>
           <a:p>
@@ -4687,20 +4753,77 @@
             </a:pPr>
             <a:r>
               <a:rPr lang="pl-PL" sz="1200" dirty="0"/>
+              <a:t>Integracja z systemami płatności Maciej Maciejewski</a:t>
+            </a:r>
+            <a:r>
+              <a:rPr lang="pl" sz="1200" dirty="0"/>
+              <a:t> </a:t>
+            </a:r>
+          </a:p>
+          <a:p>
+            <a:pPr lvl="0" rtl="0">
+              <a:spcBef>
+                <a:spcPts val="0"/>
+              </a:spcBef>
+              <a:buNone/>
+            </a:pPr>
+            <a:r>
+              <a:rPr lang="pl" sz="1200" dirty="0"/>
+              <a:t>15/02/2019</a:t>
+            </a:r>
+          </a:p>
+          <a:p>
+            <a:pPr lvl="0" rtl="0">
+              <a:spcBef>
+                <a:spcPts val="0"/>
+              </a:spcBef>
+              <a:buNone/>
+            </a:pPr>
+            <a:r>
+              <a:rPr lang="pl-PL" sz="1200" dirty="0"/>
               <a:t>Prace nad nowymi opcjami </a:t>
             </a:r>
             <a:r>
               <a:rPr lang="pl" sz="1200" dirty="0"/>
-              <a:t>Coffee-Maker</a:t>
-            </a:r>
-            <a:r>
-              <a:rPr lang="en-US" sz="1200" dirty="0"/>
-              <a:t>	</a:t>
+              <a:t>Coffee-Maker </a:t>
+            </a:r>
+            <a:r>
+              <a:rPr lang="pl-PL" sz="1200" dirty="0"/>
+              <a:t>Mateusz Osiński   </a:t>
             </a:r>
             <a:r>
               <a:rPr lang="pl" sz="1200" dirty="0"/>
-              <a:t>29/01/2019</a:t>
-            </a:r>
+              <a:t>25/02/2019</a:t>
+            </a:r>
+          </a:p>
+          <a:p>
+            <a:pPr lvl="0" rtl="0">
+              <a:spcBef>
+                <a:spcPts val="0"/>
+              </a:spcBef>
+              <a:buNone/>
+            </a:pPr>
+            <a:r>
+              <a:rPr lang="pl" sz="1200" dirty="0"/>
+              <a:t>St</a:t>
+            </a:r>
+            <a:r>
+              <a:rPr lang="pl-PL" sz="1200" dirty="0"/>
+              <a:t>worzenie aplikacji mobilnej Jaku Fryga </a:t>
+            </a:r>
+          </a:p>
+          <a:p>
+            <a:pPr lvl="0" rtl="0">
+              <a:spcBef>
+                <a:spcPts val="0"/>
+              </a:spcBef>
+              <a:buNone/>
+            </a:pPr>
+            <a:r>
+              <a:rPr lang="pl-PL" sz="1200" dirty="0"/>
+              <a:t>20/03/2019</a:t>
+            </a:r>
+            <a:endParaRPr lang="pl" sz="1200" dirty="0"/>
           </a:p>
           <a:p>
             <a:pPr lvl="0" rtl="0">
@@ -4723,7 +4846,23 @@
                   <a:schemeClr val="dk1"/>
                 </a:solidFill>
               </a:rPr>
-              <a:t>Coffee-Maker	30/01/2019</a:t>
+              <a:t>Coffee-Maker </a:t>
+            </a:r>
+            <a:r>
+              <a:rPr lang="pl-PL" sz="1200" dirty="0">
+                <a:solidFill>
+                  <a:schemeClr val="dk1"/>
+                </a:solidFill>
+              </a:rPr>
+              <a:t>Jakub Fryga</a:t>
+            </a:r>
+            <a:r>
+              <a:rPr lang="pl" sz="1200" dirty="0">
+                <a:solidFill>
+                  <a:schemeClr val="dk1"/>
+                </a:solidFill>
+              </a:rPr>
+              <a:t>	</a:t>
             </a:r>
           </a:p>
           <a:p>
@@ -4734,24 +4873,12 @@
               <a:buNone/>
             </a:pPr>
             <a:r>
-              <a:rPr lang="pl-PL" sz="1200" dirty="0"/>
-              <a:t>Koniec prac nad nową wersją </a:t>
-            </a:r>
-            <a:r>
-              <a:rPr lang="pl-PL" sz="1200" dirty="0" err="1"/>
-              <a:t>Coffee</a:t>
-            </a:r>
-            <a:r>
-              <a:rPr lang="pl-PL" sz="1200" dirty="0"/>
-              <a:t>-Maker</a:t>
-            </a:r>
-            <a:r>
-              <a:rPr lang="en-US" sz="1200" dirty="0"/>
-              <a:t>	</a:t>
-            </a:r>
-            <a:r>
-              <a:rPr lang="pl" sz="1200" dirty="0"/>
-              <a:t>02/02/2019</a:t>
+              <a:rPr lang="pl" sz="1200" dirty="0">
+                <a:solidFill>
+                  <a:schemeClr val="dk1"/>
+                </a:solidFill>
+              </a:rPr>
+              <a:t>25/03/2019</a:t>
             </a:r>
           </a:p>
           <a:p>
@@ -4761,6 +4888,46 @@
               </a:spcBef>
               <a:buNone/>
             </a:pPr>
+            <a:r>
+              <a:rPr lang="pl-PL" sz="1200" dirty="0"/>
+              <a:t>Koniec prac nad nową wersją </a:t>
+            </a:r>
+            <a:r>
+              <a:rPr lang="pl-PL" sz="1200" dirty="0" err="1"/>
+              <a:t>Coffee</a:t>
+            </a:r>
+            <a:r>
+              <a:rPr lang="pl-PL" sz="1200" dirty="0"/>
+              <a:t>-Maker</a:t>
+            </a:r>
+            <a:r>
+              <a:rPr lang="en-US" sz="1200" dirty="0"/>
+              <a:t>	</a:t>
+            </a:r>
+            <a:r>
+              <a:rPr lang="pl-PL" sz="1200" dirty="0"/>
+              <a:t>Cały zespół</a:t>
+            </a:r>
+          </a:p>
+          <a:p>
+            <a:pPr lvl="0" rtl="0">
+              <a:spcBef>
+                <a:spcPts val="0"/>
+              </a:spcBef>
+              <a:buNone/>
+            </a:pPr>
+            <a:r>
+              <a:rPr lang="pl" sz="1200" dirty="0"/>
+              <a:t>30/03/2019</a:t>
+            </a:r>
+          </a:p>
+          <a:p>
+            <a:pPr lvl="0" rtl="0">
+              <a:spcBef>
+                <a:spcPts val="0"/>
+              </a:spcBef>
+              <a:buNone/>
+            </a:pPr>
             <a:endParaRPr sz="800" dirty="0"/>
           </a:p>
           <a:p>
@@ -4788,8 +4955,8 @@
         </p:nvSpPr>
         <p:spPr>
           <a:xfrm>
-            <a:off x="372979" y="1546929"/>
-            <a:ext cx="4488599" cy="1949099"/>
+            <a:off x="314036" y="1546930"/>
+            <a:ext cx="4581237" cy="1159325"/>
           </a:xfrm>
           <a:prstGeom prst="rect">
             <a:avLst/>
@@ -4822,17 +4989,6 @@
               </a:rPr>
               <a:t>Stwierdzenie problemu:</a:t>
             </a:r>
-          </a:p>
-          <a:p>
-            <a:pPr marL="171450" lvl="0" rtl="0">
-              <a:spcBef>
-                <a:spcPts val="200"/>
-              </a:spcBef>
-              <a:buClr>
-                <a:schemeClr val="dk1"/>
-              </a:buClr>
-              <a:buSzPct val="100000"/>
-            </a:pPr>
             <a:endParaRPr lang="pl-PL" sz="1200" dirty="0">
               <a:solidFill>
                 <a:schemeClr val="dk1"/>
@@ -4885,7 +5041,7 @@
             </a:r>
           </a:p>
           <a:p>
-            <a:pPr marL="171450" lvl="0" rtl="0">
+            <a:pPr marL="457200" lvl="0" indent="-285750" rtl="0">
               <a:spcBef>
                 <a:spcPts val="200"/>
               </a:spcBef>
@@ -4893,12 +5049,16 @@
                 <a:schemeClr val="dk1"/>
               </a:buClr>
               <a:buSzPct val="100000"/>
+              <a:buChar char="●"/>
             </a:pPr>
-            <a:endParaRPr lang="pl-PL" sz="1200" dirty="0">
-              <a:solidFill>
-                <a:schemeClr val="dk1"/>
-              </a:solidFill>
-            </a:endParaRPr>
+            <a:r>
+              <a:rPr lang="pl-PL" sz="1200" dirty="0">
+                <a:solidFill>
+                  <a:schemeClr val="dk1"/>
+                </a:solidFill>
+              </a:rPr>
+              <a:t>Administrator musi ręcznie sprawdzić stan zawartości produktów w maszynie</a:t>
+            </a:r>
           </a:p>
           <a:p>
             <a:pPr lvl="0" rtl="0">
@@ -4915,14 +5075,6 @@
               </a:rPr>
               <a:t>Wniosek</a:t>
             </a:r>
-          </a:p>
-          <a:p>
-            <a:pPr lvl="0" rtl="0">
-              <a:spcBef>
-                <a:spcPts val="200"/>
-              </a:spcBef>
-              <a:buNone/>
-            </a:pPr>
             <a:endParaRPr lang="pl-PL" sz="1200" dirty="0">
               <a:solidFill>
                 <a:schemeClr val="dk1"/>
@@ -4967,6 +5119,22 @@
                 </a:solidFill>
               </a:rPr>
               <a:t>Potrzebujemy dodać więcej pozycji do opcji zamówienia</a:t>
+            </a:r>
+          </a:p>
+          <a:p>
+            <a:pPr lvl="0" rtl="0">
+              <a:spcBef>
+                <a:spcPts val="200"/>
+              </a:spcBef>
+              <a:buNone/>
+            </a:pPr>
+            <a:r>
+              <a:rPr lang="pl-PL" sz="1200" dirty="0">
+                <a:solidFill>
+                  <a:schemeClr val="dk1"/>
+                </a:solidFill>
+              </a:rPr>
+              <a:t>Dodanie aplikacji, która pozwoli na zdalne sprawdzanie zapasu produktów i informowanie o potencjalnych brakach</a:t>
             </a:r>
             <a:endParaRPr lang="pl" sz="1200" dirty="0">
               <a:solidFill>
@@ -5067,9 +5235,19 @@
               <a:rPr lang="pl-PL" sz="1200" dirty="0"/>
               <a:t>Zwiększenie ilości pozycji możliwych do zamówienia</a:t>
             </a:r>
+          </a:p>
+          <a:p>
+            <a:pPr marL="171450" lvl="8" indent="-171450">
+              <a:buFont typeface="Arial" panose="020B0604020202020204" pitchFamily="34" charset="0"/>
+              <a:buChar char="•"/>
+            </a:pPr>
+            <a:r>
+              <a:rPr lang="pl-PL" sz="1200" dirty="0"/>
+              <a:t>Stworzenie aplikacji do obserwacji maszyn</a:t>
+            </a:r>
             <a:r>
               <a:rPr lang="en-US" sz="1200" b="1" dirty="0"/>
-              <a:t>		</a:t>
+              <a:t>	</a:t>
             </a:r>
           </a:p>
           <a:p>
@@ -5104,8 +5282,29 @@
             </a:pPr>
             <a:r>
               <a:rPr lang="pl-PL" sz="1200" dirty="0"/>
-              <a:t>Integracja z płatnościami innego typu.</a:t>
-            </a:r>
+              <a:t>Integracja z płatnościami innego typu </a:t>
+            </a:r>
+            <a:r>
+              <a:rPr lang="pl-PL" sz="1200" dirty="0" err="1"/>
+              <a:t>np</a:t>
+            </a:r>
+            <a:r>
+              <a:rPr lang="pl-PL" sz="1200" dirty="0"/>
+              <a:t> </a:t>
+            </a:r>
+            <a:r>
+              <a:rPr lang="pl-PL" sz="1200" dirty="0" err="1"/>
+              <a:t>GooglePay</a:t>
+            </a:r>
+            <a:r>
+              <a:rPr lang="pl-PL" sz="1200" dirty="0"/>
+              <a:t> i różnych portfeli </a:t>
+            </a:r>
+            <a:r>
+              <a:rPr lang="pl-PL" sz="1200" dirty="0" err="1"/>
+              <a:t>kryptowalut</a:t>
+            </a:r>
+            <a:endParaRPr lang="pl-PL" sz="1200" dirty="0"/>
           </a:p>
           <a:p>
             <a:pPr marL="171450" indent="-171450">
@@ -5115,6 +5314,16 @@
             <a:r>
               <a:rPr lang="pl-PL" sz="1200" dirty="0"/>
               <a:t>Zwiększenie ilości pozycji możliwych do zamówienia  do 6</a:t>
+            </a:r>
+          </a:p>
+          <a:p>
+            <a:pPr marL="171450" indent="-171450">
+              <a:buFont typeface="Arial" panose="020B0604020202020204" pitchFamily="34" charset="0"/>
+              <a:buChar char="•"/>
+            </a:pPr>
+            <a:r>
+              <a:rPr lang="pl-PL" sz="1200" dirty="0"/>
+              <a:t>Prace nad mobilną lub sieciową aplikacją pozwalającą na podgląd stanu zapasów w maszynach</a:t>
             </a:r>
             <a:endParaRPr lang="en-US" sz="1200" dirty="0"/>
           </a:p>
